--- a/LabBook_010.pptx
+++ b/LabBook_010.pptx
@@ -139,7 +139,7 @@
 <file path=ppt/revisionInfo.xml><?xml version="1.0" encoding="utf-8"?>
 <p1510:revInfo xmlns:a="http://schemas.openxmlformats.org/drawingml/2006/main" xmlns:r="http://schemas.openxmlformats.org/officeDocument/2006/relationships" xmlns:p1510="http://schemas.microsoft.com/office/powerpoint/2015/10/main">
   <p1510:revLst>
-    <p1510:client id="{AD3102A6-F98F-48C7-9AF4-68940EB5B3D9}" v="4" dt="2026-02-03T12:19:17.949"/>
+    <p1510:client id="{5490BF8D-8585-4F2B-A5CB-D2E35DA39BA0}" v="3" dt="2026-02-09T16:36:28.849"/>
   </p1510:revLst>
 </p1510:revInfo>
 </file>
@@ -147,33 +147,26 @@
 <file path=ppt/changesInfos/changesInfo1.xml><?xml version="1.0" encoding="utf-8"?>
 <pc:chgInfo xmlns:a="http://schemas.openxmlformats.org/drawingml/2006/main" xmlns:r="http://schemas.openxmlformats.org/officeDocument/2006/relationships" xmlns:ac="http://schemas.microsoft.com/office/drawing/2013/main/command" xmlns:pc="http://schemas.microsoft.com/office/powerpoint/2013/main/command">
   <pc:docChgLst>
-    <pc:chgData name="Christian Camilo Cano Vasquez" userId="8c73a2a4-758b-4e34-81ed-39462e48bd92" providerId="ADAL" clId="{E6287060-0277-4BCC-9556-78F4A9113EC4}"/>
-    <pc:docChg chg="delSld modSld">
-      <pc:chgData name="Christian Camilo Cano Vasquez" userId="8c73a2a4-758b-4e34-81ed-39462e48bd92" providerId="ADAL" clId="{E6287060-0277-4BCC-9556-78F4A9113EC4}" dt="2026-02-03T12:19:54.710" v="164" actId="113"/>
+    <pc:chgData name="David Garcia Santes" userId="135ceecb-b000-49fa-8308-b8645db89666" providerId="ADAL" clId="{0639B51C-9325-4622-8C1B-F9D29A778947}"/>
+    <pc:docChg chg="custSel modSld">
+      <pc:chgData name="David Garcia Santes" userId="135ceecb-b000-49fa-8308-b8645db89666" providerId="ADAL" clId="{0639B51C-9325-4622-8C1B-F9D29A778947}" dt="2026-02-09T16:37:15.461" v="428" actId="20577"/>
       <pc:docMkLst>
         <pc:docMk/>
       </pc:docMkLst>
       <pc:sldChg chg="modSp mod">
-        <pc:chgData name="Christian Camilo Cano Vasquez" userId="8c73a2a4-758b-4e34-81ed-39462e48bd92" providerId="ADAL" clId="{E6287060-0277-4BCC-9556-78F4A9113EC4}" dt="2026-02-03T12:19:54.710" v="164" actId="113"/>
+        <pc:chgData name="David Garcia Santes" userId="135ceecb-b000-49fa-8308-b8645db89666" providerId="ADAL" clId="{0639B51C-9325-4622-8C1B-F9D29A778947}" dt="2026-02-09T16:37:15.461" v="428" actId="20577"/>
         <pc:sldMkLst>
           <pc:docMk/>
-          <pc:sldMk cId="560234623" sldId="289"/>
+          <pc:sldMk cId="3712356003" sldId="291"/>
         </pc:sldMkLst>
         <pc:spChg chg="mod">
-          <ac:chgData name="Christian Camilo Cano Vasquez" userId="8c73a2a4-758b-4e34-81ed-39462e48bd92" providerId="ADAL" clId="{E6287060-0277-4BCC-9556-78F4A9113EC4}" dt="2026-02-03T12:19:54.710" v="164" actId="113"/>
+          <ac:chgData name="David Garcia Santes" userId="135ceecb-b000-49fa-8308-b8645db89666" providerId="ADAL" clId="{0639B51C-9325-4622-8C1B-F9D29A778947}" dt="2026-02-09T16:37:15.461" v="428" actId="20577"/>
           <ac:spMkLst>
             <pc:docMk/>
-            <pc:sldMk cId="560234623" sldId="289"/>
-            <ac:spMk id="4" creationId="{9F7BC140-B3D8-C3CB-55AD-9064C7CDE9CA}"/>
+            <pc:sldMk cId="3712356003" sldId="291"/>
+            <ac:spMk id="2" creationId="{CA5F0FDF-2A95-453B-4ECA-AEB637FF2694}"/>
           </ac:spMkLst>
         </pc:spChg>
-      </pc:sldChg>
-      <pc:sldChg chg="del">
-        <pc:chgData name="Christian Camilo Cano Vasquez" userId="8c73a2a4-758b-4e34-81ed-39462e48bd92" providerId="ADAL" clId="{E6287060-0277-4BCC-9556-78F4A9113EC4}" dt="2026-02-03T12:15:41.104" v="0" actId="47"/>
-        <pc:sldMkLst>
-          <pc:docMk/>
-          <pc:sldMk cId="2900117438" sldId="292"/>
-        </pc:sldMkLst>
       </pc:sldChg>
     </pc:docChg>
   </pc:docChgLst>
@@ -274,7 +267,7 @@
           <a:p>
             <a:fld id="{8438F8DC-35B0-48E6-A86E-42F1F08DD00F}" type="datetimeFigureOut">
               <a:rPr lang="es-ES" smtClean="0"/>
-              <a:t>03/02/2026</a:t>
+              <a:t>09/02/2026</a:t>
             </a:fld>
             <a:endParaRPr lang="es-ES"/>
           </a:p>
@@ -352,7 +345,7 @@
           <a:p>
             <a:fld id="{4116A549-763A-4A89-A454-A94BAF51395E}" type="slidenum">
               <a:rPr lang="es-ES" smtClean="0"/>
-              <a:t>‹Nº›</a:t>
+              <a:t>‹#›</a:t>
             </a:fld>
             <a:endParaRPr lang="es-ES"/>
           </a:p>
@@ -451,7 +444,7 @@
           <a:p>
             <a:fld id="{FACBDC12-F39B-4B97-8F4D-6734F9D366FF}" type="datetimeFigureOut">
               <a:rPr lang="es-ES" smtClean="0"/>
-              <a:t>03/02/2026</a:t>
+              <a:t>09/02/2026</a:t>
             </a:fld>
             <a:endParaRPr lang="es-ES"/>
           </a:p>
@@ -609,7 +602,7 @@
           <a:p>
             <a:fld id="{676223B9-C868-4436-87D9-1A3152E1157A}" type="slidenum">
               <a:rPr lang="es-ES" smtClean="0"/>
-              <a:t>‹Nº›</a:t>
+              <a:t>‹#›</a:t>
             </a:fld>
             <a:endParaRPr lang="es-ES"/>
           </a:p>
@@ -1089,7 +1082,7 @@
           </a:lstStyle>
           <a:p>
             <a:fld id="{B6F15528-21DE-4FAA-801E-634DDDAF4B2B}" type="slidenum">
-              <a:t>‹Nº›</a:t>
+              <a:t>‹#›</a:t>
             </a:fld>
             <a:endParaRPr/>
           </a:p>
@@ -1256,7 +1249,7 @@
           </a:lstStyle>
           <a:p>
             <a:fld id="{B6F15528-21DE-4FAA-801E-634DDDAF4B2B}" type="slidenum">
-              <a:t>‹Nº›</a:t>
+              <a:t>‹#›</a:t>
             </a:fld>
             <a:endParaRPr/>
           </a:p>
@@ -1478,7 +1471,7 @@
           </a:lstStyle>
           <a:p>
             <a:fld id="{B6F15528-21DE-4FAA-801E-634DDDAF4B2B}" type="slidenum">
-              <a:t>‹Nº›</a:t>
+              <a:t>‹#›</a:t>
             </a:fld>
             <a:endParaRPr/>
           </a:p>
@@ -1685,7 +1678,7 @@
           </a:lstStyle>
           <a:p>
             <a:fld id="{B6F15528-21DE-4FAA-801E-634DDDAF4B2B}" type="slidenum">
-              <a:t>‹Nº›</a:t>
+              <a:t>‹#›</a:t>
             </a:fld>
             <a:endParaRPr/>
           </a:p>
@@ -1849,7 +1842,7 @@
           </a:lstStyle>
           <a:p>
             <a:fld id="{B6F15528-21DE-4FAA-801E-634DDDAF4B2B}" type="slidenum">
-              <a:t>‹Nº›</a:t>
+              <a:t>‹#›</a:t>
             </a:fld>
             <a:endParaRPr/>
           </a:p>
@@ -2151,7 +2144,7 @@
           </a:lstStyle>
           <a:p>
             <a:fld id="{B6F15528-21DE-4FAA-801E-634DDDAF4B2B}" type="slidenum">
-              <a:t>‹Nº›</a:t>
+              <a:t>‹#›</a:t>
             </a:fld>
             <a:endParaRPr/>
           </a:p>
@@ -6066,7 +6059,7 @@
         <p:spPr>
           <a:xfrm>
             <a:off x="609441" y="4860334"/>
-            <a:ext cx="11199971" cy="1200329"/>
+            <a:ext cx="11199971" cy="1938992"/>
           </a:xfrm>
           <a:prstGeom prst="rect">
             <a:avLst/>
@@ -6106,10 +6099,408 @@
           </a:p>
           <a:p>
             <a:pPr algn="just"/>
+            <a:r>
+              <a:rPr lang="en-US" sz="1200" dirty="0">
+                <a:latin typeface="Arial" panose="020B0604020202020204" pitchFamily="34" charset="0"/>
+                <a:cs typeface="Arial" panose="020B0604020202020204" pitchFamily="34" charset="0"/>
+              </a:rPr>
+              <a:t>Izquierda: </a:t>
+            </a:r>
+            <a:r>
+              <a:rPr lang="en-US" sz="1200" dirty="0" err="1">
+                <a:latin typeface="Arial" panose="020B0604020202020204" pitchFamily="34" charset="0"/>
+                <a:cs typeface="Arial" panose="020B0604020202020204" pitchFamily="34" charset="0"/>
+              </a:rPr>
+              <a:t>el</a:t>
+            </a:r>
+            <a:r>
+              <a:rPr lang="en-US" sz="1200" dirty="0">
+                <a:latin typeface="Arial" panose="020B0604020202020204" pitchFamily="34" charset="0"/>
+                <a:cs typeface="Arial" panose="020B0604020202020204" pitchFamily="34" charset="0"/>
+              </a:rPr>
+              <a:t> </a:t>
+            </a:r>
+            <a:r>
+              <a:rPr lang="en-US" sz="1200" dirty="0" err="1">
+                <a:latin typeface="Arial" panose="020B0604020202020204" pitchFamily="34" charset="0"/>
+                <a:cs typeface="Arial" panose="020B0604020202020204" pitchFamily="34" charset="0"/>
+              </a:rPr>
+              <a:t>índice</a:t>
+            </a:r>
+            <a:r>
+              <a:rPr lang="en-US" sz="1200" dirty="0">
+                <a:latin typeface="Arial" panose="020B0604020202020204" pitchFamily="34" charset="0"/>
+                <a:cs typeface="Arial" panose="020B0604020202020204" pitchFamily="34" charset="0"/>
+              </a:rPr>
+              <a:t> de </a:t>
+            </a:r>
+            <a:r>
+              <a:rPr lang="en-US" sz="1200" dirty="0" err="1">
+                <a:latin typeface="Arial" panose="020B0604020202020204" pitchFamily="34" charset="0"/>
+                <a:cs typeface="Arial" panose="020B0604020202020204" pitchFamily="34" charset="0"/>
+              </a:rPr>
+              <a:t>refracción</a:t>
+            </a:r>
+            <a:r>
+              <a:rPr lang="en-US" sz="1200" dirty="0">
+                <a:latin typeface="Arial" panose="020B0604020202020204" pitchFamily="34" charset="0"/>
+                <a:cs typeface="Arial" panose="020B0604020202020204" pitchFamily="34" charset="0"/>
+              </a:rPr>
+              <a:t> del cladding se </a:t>
+            </a:r>
+            <a:r>
+              <a:rPr lang="en-US" sz="1200" dirty="0" err="1">
+                <a:latin typeface="Arial" panose="020B0604020202020204" pitchFamily="34" charset="0"/>
+                <a:cs typeface="Arial" panose="020B0604020202020204" pitchFamily="34" charset="0"/>
+              </a:rPr>
+              <a:t>mantiene</a:t>
+            </a:r>
+            <a:r>
+              <a:rPr lang="en-US" sz="1200" dirty="0">
+                <a:latin typeface="Arial" panose="020B0604020202020204" pitchFamily="34" charset="0"/>
+                <a:cs typeface="Arial" panose="020B0604020202020204" pitchFamily="34" charset="0"/>
+              </a:rPr>
+              <a:t> </a:t>
+            </a:r>
+            <a:r>
+              <a:rPr lang="en-US" sz="1200" dirty="0" err="1">
+                <a:latin typeface="Arial" panose="020B0604020202020204" pitchFamily="34" charset="0"/>
+                <a:cs typeface="Arial" panose="020B0604020202020204" pitchFamily="34" charset="0"/>
+              </a:rPr>
+              <a:t>constante</a:t>
+            </a:r>
+            <a:r>
+              <a:rPr lang="en-US" sz="1200" dirty="0">
+                <a:latin typeface="Arial" panose="020B0604020202020204" pitchFamily="34" charset="0"/>
+                <a:cs typeface="Arial" panose="020B0604020202020204" pitchFamily="34" charset="0"/>
+              </a:rPr>
+              <a:t> </a:t>
+            </a:r>
+            <a:r>
+              <a:rPr lang="en-US" sz="1200" dirty="0" err="1">
+                <a:latin typeface="Arial" panose="020B0604020202020204" pitchFamily="34" charset="0"/>
+                <a:cs typeface="Arial" panose="020B0604020202020204" pitchFamily="34" charset="0"/>
+              </a:rPr>
+              <a:t>en</a:t>
+            </a:r>
+            <a:r>
+              <a:rPr lang="en-US" sz="1200" dirty="0">
+                <a:latin typeface="Arial" panose="020B0604020202020204" pitchFamily="34" charset="0"/>
+                <a:cs typeface="Arial" panose="020B0604020202020204" pitchFamily="34" charset="0"/>
+              </a:rPr>
+              <a:t> n(SiO2)=1.45775 </a:t>
+            </a:r>
+            <a:r>
+              <a:rPr lang="en-US" sz="1200" dirty="0" err="1">
+                <a:latin typeface="Arial" panose="020B0604020202020204" pitchFamily="34" charset="0"/>
+                <a:cs typeface="Arial" panose="020B0604020202020204" pitchFamily="34" charset="0"/>
+              </a:rPr>
+              <a:t>aprox</a:t>
+            </a:r>
+            <a:r>
+              <a:rPr lang="en-US" sz="1200" dirty="0">
+                <a:latin typeface="Arial" panose="020B0604020202020204" pitchFamily="34" charset="0"/>
+                <a:cs typeface="Arial" panose="020B0604020202020204" pitchFamily="34" charset="0"/>
+              </a:rPr>
+              <a:t>. y </a:t>
+            </a:r>
+            <a:r>
+              <a:rPr lang="en-US" sz="1200" dirty="0" err="1">
+                <a:latin typeface="Arial" panose="020B0604020202020204" pitchFamily="34" charset="0"/>
+                <a:cs typeface="Arial" panose="020B0604020202020204" pitchFamily="34" charset="0"/>
+              </a:rPr>
+              <a:t>los</a:t>
+            </a:r>
+            <a:r>
+              <a:rPr lang="en-US" sz="1200" dirty="0">
+                <a:latin typeface="Arial" panose="020B0604020202020204" pitchFamily="34" charset="0"/>
+                <a:cs typeface="Arial" panose="020B0604020202020204" pitchFamily="34" charset="0"/>
+              </a:rPr>
+              <a:t> cuatro </a:t>
+            </a:r>
+            <a:r>
+              <a:rPr lang="en-US" sz="1200" dirty="0" err="1">
+                <a:latin typeface="Arial" panose="020B0604020202020204" pitchFamily="34" charset="0"/>
+                <a:cs typeface="Arial" panose="020B0604020202020204" pitchFamily="34" charset="0"/>
+              </a:rPr>
+              <a:t>modos</a:t>
+            </a:r>
+            <a:r>
+              <a:rPr lang="en-US" sz="1200" dirty="0">
+                <a:latin typeface="Arial" panose="020B0604020202020204" pitchFamily="34" charset="0"/>
+                <a:cs typeface="Arial" panose="020B0604020202020204" pitchFamily="34" charset="0"/>
+              </a:rPr>
+              <a:t> </a:t>
+            </a:r>
+            <a:r>
+              <a:rPr lang="en-US" sz="1200" dirty="0" err="1">
+                <a:latin typeface="Arial" panose="020B0604020202020204" pitchFamily="34" charset="0"/>
+                <a:cs typeface="Arial" panose="020B0604020202020204" pitchFamily="34" charset="0"/>
+              </a:rPr>
+              <a:t>calculados</a:t>
+            </a:r>
+            <a:r>
+              <a:rPr lang="en-US" sz="1200" dirty="0">
+                <a:latin typeface="Arial" panose="020B0604020202020204" pitchFamily="34" charset="0"/>
+                <a:cs typeface="Arial" panose="020B0604020202020204" pitchFamily="34" charset="0"/>
+              </a:rPr>
+              <a:t> </a:t>
+            </a:r>
+            <a:r>
+              <a:rPr lang="en-US" sz="1200" dirty="0" err="1">
+                <a:latin typeface="Arial" panose="020B0604020202020204" pitchFamily="34" charset="0"/>
+                <a:cs typeface="Arial" panose="020B0604020202020204" pitchFamily="34" charset="0"/>
+              </a:rPr>
+              <a:t>mantienen</a:t>
+            </a:r>
+            <a:r>
+              <a:rPr lang="en-US" sz="1200" dirty="0">
+                <a:latin typeface="Arial" panose="020B0604020202020204" pitchFamily="34" charset="0"/>
+                <a:cs typeface="Arial" panose="020B0604020202020204" pitchFamily="34" charset="0"/>
+              </a:rPr>
+              <a:t> </a:t>
+            </a:r>
+            <a:r>
+              <a:rPr lang="en-US" sz="1200" dirty="0" err="1">
+                <a:latin typeface="Arial" panose="020B0604020202020204" pitchFamily="34" charset="0"/>
+                <a:cs typeface="Arial" panose="020B0604020202020204" pitchFamily="34" charset="0"/>
+              </a:rPr>
+              <a:t>su</a:t>
+            </a:r>
+            <a:r>
+              <a:rPr lang="en-US" sz="1200" dirty="0">
+                <a:latin typeface="Arial" panose="020B0604020202020204" pitchFamily="34" charset="0"/>
+                <a:cs typeface="Arial" panose="020B0604020202020204" pitchFamily="34" charset="0"/>
+              </a:rPr>
+              <a:t> </a:t>
+            </a:r>
+            <a:r>
+              <a:rPr lang="en-US" sz="1200" dirty="0" err="1">
+                <a:latin typeface="Arial" panose="020B0604020202020204" pitchFamily="34" charset="0"/>
+                <a:cs typeface="Arial" panose="020B0604020202020204" pitchFamily="34" charset="0"/>
+              </a:rPr>
+              <a:t>n_eff</a:t>
+            </a:r>
+            <a:r>
+              <a:rPr lang="en-US" sz="1200" dirty="0">
+                <a:latin typeface="Arial" panose="020B0604020202020204" pitchFamily="34" charset="0"/>
+                <a:cs typeface="Arial" panose="020B0604020202020204" pitchFamily="34" charset="0"/>
+              </a:rPr>
+              <a:t> </a:t>
+            </a:r>
+            <a:r>
+              <a:rPr lang="en-US" sz="1200" dirty="0" err="1">
+                <a:latin typeface="Arial" panose="020B0604020202020204" pitchFamily="34" charset="0"/>
+                <a:cs typeface="Arial" panose="020B0604020202020204" pitchFamily="34" charset="0"/>
+              </a:rPr>
+              <a:t>por</a:t>
+            </a:r>
+            <a:r>
+              <a:rPr lang="en-US" sz="1200" dirty="0">
+                <a:latin typeface="Arial" panose="020B0604020202020204" pitchFamily="34" charset="0"/>
+                <a:cs typeface="Arial" panose="020B0604020202020204" pitchFamily="34" charset="0"/>
+              </a:rPr>
+              <a:t> </a:t>
+            </a:r>
+            <a:r>
+              <a:rPr lang="en-US" sz="1200" dirty="0" err="1">
+                <a:latin typeface="Arial" panose="020B0604020202020204" pitchFamily="34" charset="0"/>
+                <a:cs typeface="Arial" panose="020B0604020202020204" pitchFamily="34" charset="0"/>
+              </a:rPr>
+              <a:t>encima</a:t>
+            </a:r>
+            <a:r>
+              <a:rPr lang="en-US" sz="1200" dirty="0">
+                <a:latin typeface="Arial" panose="020B0604020202020204" pitchFamily="34" charset="0"/>
+                <a:cs typeface="Arial" panose="020B0604020202020204" pitchFamily="34" charset="0"/>
+              </a:rPr>
+              <a:t> de </a:t>
+            </a:r>
+            <a:r>
+              <a:rPr lang="en-US" sz="1200" dirty="0" err="1">
+                <a:latin typeface="Arial" panose="020B0604020202020204" pitchFamily="34" charset="0"/>
+                <a:cs typeface="Arial" panose="020B0604020202020204" pitchFamily="34" charset="0"/>
+              </a:rPr>
+              <a:t>este</a:t>
+            </a:r>
+            <a:r>
+              <a:rPr lang="en-US" sz="1200" dirty="0">
+                <a:latin typeface="Arial" panose="020B0604020202020204" pitchFamily="34" charset="0"/>
+                <a:cs typeface="Arial" panose="020B0604020202020204" pitchFamily="34" charset="0"/>
+              </a:rPr>
+              <a:t> valor, </a:t>
+            </a:r>
+            <a:r>
+              <a:rPr lang="en-US" sz="1200" dirty="0" err="1">
+                <a:latin typeface="Arial" panose="020B0604020202020204" pitchFamily="34" charset="0"/>
+                <a:cs typeface="Arial" panose="020B0604020202020204" pitchFamily="34" charset="0"/>
+              </a:rPr>
+              <a:t>por</a:t>
+            </a:r>
+            <a:r>
+              <a:rPr lang="en-US" sz="1200" dirty="0">
+                <a:latin typeface="Arial" panose="020B0604020202020204" pitchFamily="34" charset="0"/>
+                <a:cs typeface="Arial" panose="020B0604020202020204" pitchFamily="34" charset="0"/>
+              </a:rPr>
+              <a:t> lo </a:t>
+            </a:r>
+            <a:r>
+              <a:rPr lang="en-US" sz="1200" dirty="0" err="1">
+                <a:latin typeface="Arial" panose="020B0604020202020204" pitchFamily="34" charset="0"/>
+                <a:cs typeface="Arial" panose="020B0604020202020204" pitchFamily="34" charset="0"/>
+              </a:rPr>
+              <a:t>que</a:t>
+            </a:r>
+            <a:r>
+              <a:rPr lang="en-US" sz="1200" dirty="0">
+                <a:latin typeface="Arial" panose="020B0604020202020204" pitchFamily="34" charset="0"/>
+                <a:cs typeface="Arial" panose="020B0604020202020204" pitchFamily="34" charset="0"/>
+              </a:rPr>
+              <a:t> </a:t>
+            </a:r>
+            <a:r>
+              <a:rPr lang="en-US" sz="1200" dirty="0" err="1">
+                <a:latin typeface="Arial" panose="020B0604020202020204" pitchFamily="34" charset="0"/>
+                <a:cs typeface="Arial" panose="020B0604020202020204" pitchFamily="34" charset="0"/>
+              </a:rPr>
+              <a:t>todos</a:t>
+            </a:r>
+            <a:r>
+              <a:rPr lang="en-US" sz="1200" dirty="0">
+                <a:latin typeface="Arial" panose="020B0604020202020204" pitchFamily="34" charset="0"/>
+                <a:cs typeface="Arial" panose="020B0604020202020204" pitchFamily="34" charset="0"/>
+              </a:rPr>
+              <a:t> se </a:t>
+            </a:r>
+            <a:r>
+              <a:rPr lang="en-US" sz="1200" dirty="0" err="1">
+                <a:latin typeface="Arial" panose="020B0604020202020204" pitchFamily="34" charset="0"/>
+                <a:cs typeface="Arial" panose="020B0604020202020204" pitchFamily="34" charset="0"/>
+              </a:rPr>
+              <a:t>propagan</a:t>
+            </a:r>
+            <a:r>
+              <a:rPr lang="en-US" sz="1200" dirty="0">
+                <a:latin typeface="Arial" panose="020B0604020202020204" pitchFamily="34" charset="0"/>
+                <a:cs typeface="Arial" panose="020B0604020202020204" pitchFamily="34" charset="0"/>
+              </a:rPr>
+              <a:t>. </a:t>
+            </a:r>
+            <a:r>
+              <a:rPr lang="en-US" sz="1200" dirty="0" err="1">
+                <a:latin typeface="Arial" panose="020B0604020202020204" pitchFamily="34" charset="0"/>
+                <a:cs typeface="Arial" panose="020B0604020202020204" pitchFamily="34" charset="0"/>
+              </a:rPr>
+              <a:t>Estos</a:t>
+            </a:r>
+            <a:r>
+              <a:rPr lang="en-US" sz="1200" dirty="0">
+                <a:latin typeface="Arial" panose="020B0604020202020204" pitchFamily="34" charset="0"/>
+                <a:cs typeface="Arial" panose="020B0604020202020204" pitchFamily="34" charset="0"/>
+              </a:rPr>
+              <a:t> </a:t>
+            </a:r>
+            <a:r>
+              <a:rPr lang="en-US" sz="1200" dirty="0" err="1">
+                <a:latin typeface="Arial" panose="020B0604020202020204" pitchFamily="34" charset="0"/>
+                <a:cs typeface="Arial" panose="020B0604020202020204" pitchFamily="34" charset="0"/>
+              </a:rPr>
+              <a:t>modos</a:t>
+            </a:r>
+            <a:r>
+              <a:rPr lang="en-US" sz="1200" dirty="0">
+                <a:latin typeface="Arial" panose="020B0604020202020204" pitchFamily="34" charset="0"/>
+                <a:cs typeface="Arial" panose="020B0604020202020204" pitchFamily="34" charset="0"/>
+              </a:rPr>
+              <a:t> son, </a:t>
+            </a:r>
+            <a:r>
+              <a:rPr lang="en-US" sz="1200" dirty="0" err="1">
+                <a:latin typeface="Arial" panose="020B0604020202020204" pitchFamily="34" charset="0"/>
+                <a:cs typeface="Arial" panose="020B0604020202020204" pitchFamily="34" charset="0"/>
+              </a:rPr>
+              <a:t>en</a:t>
+            </a:r>
+            <a:r>
+              <a:rPr lang="en-US" sz="1200" dirty="0">
+                <a:latin typeface="Arial" panose="020B0604020202020204" pitchFamily="34" charset="0"/>
+                <a:cs typeface="Arial" panose="020B0604020202020204" pitchFamily="34" charset="0"/>
+              </a:rPr>
+              <a:t> </a:t>
+            </a:r>
+            <a:r>
+              <a:rPr lang="en-US" sz="1200" dirty="0" err="1">
+                <a:latin typeface="Arial" panose="020B0604020202020204" pitchFamily="34" charset="0"/>
+                <a:cs typeface="Arial" panose="020B0604020202020204" pitchFamily="34" charset="0"/>
+              </a:rPr>
+              <a:t>orden</a:t>
+            </a:r>
+            <a:r>
+              <a:rPr lang="en-US" sz="1200" dirty="0">
+                <a:latin typeface="Arial" panose="020B0604020202020204" pitchFamily="34" charset="0"/>
+                <a:cs typeface="Arial" panose="020B0604020202020204" pitchFamily="34" charset="0"/>
+              </a:rPr>
+              <a:t> </a:t>
+            </a:r>
+            <a:r>
+              <a:rPr lang="en-US" sz="1200" dirty="0" err="1">
+                <a:latin typeface="Arial" panose="020B0604020202020204" pitchFamily="34" charset="0"/>
+                <a:cs typeface="Arial" panose="020B0604020202020204" pitchFamily="34" charset="0"/>
+              </a:rPr>
+              <a:t>creciente</a:t>
+            </a:r>
+            <a:r>
+              <a:rPr lang="en-US" sz="1200" dirty="0">
+                <a:latin typeface="Arial" panose="020B0604020202020204" pitchFamily="34" charset="0"/>
+                <a:cs typeface="Arial" panose="020B0604020202020204" pitchFamily="34" charset="0"/>
+              </a:rPr>
+              <a:t>: TE (Mode 0), TM (Mode 1), </a:t>
+            </a:r>
+            <a:r>
+              <a:rPr lang="en-US" sz="1200" dirty="0" err="1">
+                <a:latin typeface="Arial" panose="020B0604020202020204" pitchFamily="34" charset="0"/>
+                <a:cs typeface="Arial" panose="020B0604020202020204" pitchFamily="34" charset="0"/>
+              </a:rPr>
+              <a:t>híbrido</a:t>
+            </a:r>
+            <a:r>
+              <a:rPr lang="en-US" sz="1200" dirty="0">
+                <a:latin typeface="Arial" panose="020B0604020202020204" pitchFamily="34" charset="0"/>
+                <a:cs typeface="Arial" panose="020B0604020202020204" pitchFamily="34" charset="0"/>
+              </a:rPr>
+              <a:t> (Mode 2), TE (Mode 3).</a:t>
+            </a:r>
+          </a:p>
+          <a:p>
+            <a:pPr algn="just"/>
             <a:endParaRPr lang="en-US" sz="1200" dirty="0">
               <a:latin typeface="Arial" panose="020B0604020202020204" pitchFamily="34" charset="0"/>
               <a:cs typeface="Arial" panose="020B0604020202020204" pitchFamily="34" charset="0"/>
             </a:endParaRPr>
+          </a:p>
+          <a:p>
+            <a:pPr algn="just"/>
+            <a:endParaRPr lang="en-US" sz="1200" dirty="0">
+              <a:latin typeface="Arial" panose="020B0604020202020204" pitchFamily="34" charset="0"/>
+              <a:cs typeface="Arial" panose="020B0604020202020204" pitchFamily="34" charset="0"/>
+            </a:endParaRPr>
+          </a:p>
+          <a:p>
+            <a:pPr algn="just"/>
+            <a:r>
+              <a:rPr lang="en-US" sz="1200" dirty="0" err="1">
+                <a:latin typeface="Arial" panose="020B0604020202020204" pitchFamily="34" charset="0"/>
+                <a:cs typeface="Arial" panose="020B0604020202020204" pitchFamily="34" charset="0"/>
+              </a:rPr>
+              <a:t>Derecha</a:t>
+            </a:r>
+            <a:r>
+              <a:rPr lang="en-US" sz="1200" dirty="0">
+                <a:latin typeface="Arial" panose="020B0604020202020204" pitchFamily="34" charset="0"/>
+                <a:cs typeface="Arial" panose="020B0604020202020204" pitchFamily="34" charset="0"/>
+              </a:rPr>
+              <a:t>:</a:t>
+            </a:r>
           </a:p>
           <a:p>
             <a:pPr algn="just"/>
@@ -6200,8 +6591,8 @@
         </p:nvSpPr>
         <p:spPr>
           <a:xfrm>
-            <a:off x="2285455" y="2671278"/>
-            <a:ext cx="1980542" cy="923330"/>
+            <a:off x="2226657" y="2671278"/>
+            <a:ext cx="2098139" cy="1477328"/>
           </a:xfrm>
           <a:prstGeom prst="rect">
             <a:avLst/>
@@ -6233,6 +6624,25 @@
             <a:r>
               <a:rPr lang="en-US" dirty="0"/>
               <a:t>Paste plot here</a:t>
+            </a:r>
+          </a:p>
+          <a:p>
+            <a:pPr algn="ctr"/>
+            <a:endParaRPr lang="en-US" dirty="0"/>
+          </a:p>
+          <a:p>
+            <a:pPr algn="ctr"/>
+            <a:r>
+              <a:rPr lang="en-US" dirty="0"/>
+              <a:t>Plot </a:t>
+            </a:r>
+            <a:r>
+              <a:rPr lang="en-US" dirty="0" err="1"/>
+              <a:t>n_eff</a:t>
+            </a:r>
+            <a:r>
+              <a:rPr lang="en-US" dirty="0"/>
+              <a:t> vs lambda</a:t>
             </a:r>
           </a:p>
         </p:txBody>
@@ -6303,8 +6713,8 @@
         </p:nvSpPr>
         <p:spPr>
           <a:xfrm>
-            <a:off x="8281672" y="2671278"/>
-            <a:ext cx="1722908" cy="923330"/>
+            <a:off x="8094057" y="2671278"/>
+            <a:ext cx="2098138" cy="1754326"/>
           </a:xfrm>
           <a:prstGeom prst="rect">
             <a:avLst/>
@@ -6337,6 +6747,29 @@
               <a:rPr lang="en-US" dirty="0"/>
               <a:t>Paste plot here</a:t>
             </a:r>
+          </a:p>
+          <a:p>
+            <a:pPr algn="ctr"/>
+            <a:endParaRPr lang="en-US" dirty="0"/>
+          </a:p>
+          <a:p>
+            <a:pPr algn="ctr"/>
+            <a:r>
+              <a:rPr lang="en-US" dirty="0"/>
+              <a:t>Plot </a:t>
+            </a:r>
+            <a:r>
+              <a:rPr lang="en-US" dirty="0" err="1"/>
+              <a:t>n_eff</a:t>
+            </a:r>
+            <a:r>
+              <a:rPr lang="en-US" dirty="0"/>
+              <a:t> vs lambda</a:t>
+            </a:r>
+          </a:p>
+          <a:p>
+            <a:pPr algn="ctr"/>
+            <a:endParaRPr lang="en-US" dirty="0"/>
           </a:p>
         </p:txBody>
       </p:sp>
@@ -6380,6 +6813,66 @@
           </a:p>
         </p:txBody>
       </p:sp>
+      <p:pic>
+        <p:nvPicPr>
+          <p:cNvPr id="10" name="Picture 9" descr="A graph of a number of waves&#10;&#10;AI-generated content may be incorrect.">
+            <a:extLst>
+              <a:ext uri="{FF2B5EF4-FFF2-40B4-BE49-F238E27FC236}">
+                <a16:creationId xmlns:a16="http://schemas.microsoft.com/office/drawing/2014/main" id="{17611C77-D6E2-676B-E5C3-37303FC86051}"/>
+              </a:ext>
+            </a:extLst>
+          </p:cNvPr>
+          <p:cNvPicPr>
+            <a:picLocks noChangeAspect="1"/>
+          </p:cNvPicPr>
+          <p:nvPr/>
+        </p:nvPicPr>
+        <p:blipFill>
+          <a:blip r:embed="rId5"/>
+          <a:stretch>
+            <a:fillRect/>
+          </a:stretch>
+        </p:blipFill>
+        <p:spPr>
+          <a:xfrm>
+            <a:off x="6537163" y="1443179"/>
+            <a:ext cx="5255316" cy="3065601"/>
+          </a:xfrm>
+          <a:prstGeom prst="rect">
+            <a:avLst/>
+          </a:prstGeom>
+        </p:spPr>
+      </p:pic>
+      <p:pic>
+        <p:nvPicPr>
+          <p:cNvPr id="12" name="Picture 11" descr="A graph of a deep wave guide&#10;&#10;AI-generated content may be incorrect.">
+            <a:extLst>
+              <a:ext uri="{FF2B5EF4-FFF2-40B4-BE49-F238E27FC236}">
+                <a16:creationId xmlns:a16="http://schemas.microsoft.com/office/drawing/2014/main" id="{001803DE-E13C-4963-4310-E27E4B3157ED}"/>
+              </a:ext>
+            </a:extLst>
+          </p:cNvPr>
+          <p:cNvPicPr>
+            <a:picLocks noChangeAspect="1"/>
+          </p:cNvPicPr>
+          <p:nvPr/>
+        </p:nvPicPr>
+        <p:blipFill>
+          <a:blip r:embed="rId6"/>
+          <a:stretch>
+            <a:fillRect/>
+          </a:stretch>
+        </p:blipFill>
+        <p:spPr>
+          <a:xfrm>
+            <a:off x="857900" y="1571918"/>
+            <a:ext cx="4989799" cy="2910716"/>
+          </a:xfrm>
+          <a:prstGeom prst="rect">
+            <a:avLst/>
+          </a:prstGeom>
+        </p:spPr>
+      </p:pic>
     </p:spTree>
     <p:extLst>
       <p:ext uri="{BB962C8B-B14F-4D97-AF65-F5344CB8AC3E}">

--- a/LabBook_010.pptx
+++ b/LabBook_010.pptx
@@ -6059,7 +6059,7 @@
         <p:spPr>
           <a:xfrm>
             <a:off x="609441" y="4860334"/>
-            <a:ext cx="11199971" cy="1938992"/>
+            <a:ext cx="11199971" cy="2123658"/>
           </a:xfrm>
           <a:prstGeom prst="rect">
             <a:avLst/>
@@ -6167,6 +6167,20 @@
                 <a:latin typeface="Arial" panose="020B0604020202020204" pitchFamily="34" charset="0"/>
                 <a:cs typeface="Arial" panose="020B0604020202020204" pitchFamily="34" charset="0"/>
               </a:rPr>
+              <a:t>aproximadamente</a:t>
+            </a:r>
+            <a:r>
+              <a:rPr lang="en-US" sz="1200" dirty="0">
+                <a:latin typeface="Arial" panose="020B0604020202020204" pitchFamily="34" charset="0"/>
+                <a:cs typeface="Arial" panose="020B0604020202020204" pitchFamily="34" charset="0"/>
+              </a:rPr>
+              <a:t> </a:t>
+            </a:r>
+            <a:r>
+              <a:rPr lang="en-US" sz="1200" dirty="0" err="1">
+                <a:latin typeface="Arial" panose="020B0604020202020204" pitchFamily="34" charset="0"/>
+                <a:cs typeface="Arial" panose="020B0604020202020204" pitchFamily="34" charset="0"/>
+              </a:rPr>
               <a:t>constante</a:t>
             </a:r>
             <a:r>
@@ -6188,41 +6202,237 @@
                 <a:latin typeface="Arial" panose="020B0604020202020204" pitchFamily="34" charset="0"/>
                 <a:cs typeface="Arial" panose="020B0604020202020204" pitchFamily="34" charset="0"/>
               </a:rPr>
-              <a:t> n(SiO2)=1.45775 </a:t>
+              <a:t> n(SiO2)=1.45775 y </a:t>
             </a:r>
             <a:r>
               <a:rPr lang="en-US" sz="1200" dirty="0" err="1">
                 <a:latin typeface="Arial" panose="020B0604020202020204" pitchFamily="34" charset="0"/>
                 <a:cs typeface="Arial" panose="020B0604020202020204" pitchFamily="34" charset="0"/>
               </a:rPr>
-              <a:t>aprox</a:t>
+              <a:t>los</a:t>
             </a:r>
             <a:r>
               <a:rPr lang="en-US" sz="1200" dirty="0">
                 <a:latin typeface="Arial" panose="020B0604020202020204" pitchFamily="34" charset="0"/>
                 <a:cs typeface="Arial" panose="020B0604020202020204" pitchFamily="34" charset="0"/>
               </a:rPr>
-              <a:t>. y </a:t>
+              <a:t> cuatro </a:t>
             </a:r>
             <a:r>
               <a:rPr lang="en-US" sz="1200" dirty="0" err="1">
                 <a:latin typeface="Arial" panose="020B0604020202020204" pitchFamily="34" charset="0"/>
                 <a:cs typeface="Arial" panose="020B0604020202020204" pitchFamily="34" charset="0"/>
               </a:rPr>
-              <a:t>los</a:t>
+              <a:t>modos</a:t>
             </a:r>
             <a:r>
               <a:rPr lang="en-US" sz="1200" dirty="0">
                 <a:latin typeface="Arial" panose="020B0604020202020204" pitchFamily="34" charset="0"/>
                 <a:cs typeface="Arial" panose="020B0604020202020204" pitchFamily="34" charset="0"/>
               </a:rPr>
-              <a:t> cuatro </a:t>
+              <a:t> </a:t>
             </a:r>
             <a:r>
               <a:rPr lang="en-US" sz="1200" dirty="0" err="1">
                 <a:latin typeface="Arial" panose="020B0604020202020204" pitchFamily="34" charset="0"/>
                 <a:cs typeface="Arial" panose="020B0604020202020204" pitchFamily="34" charset="0"/>
               </a:rPr>
+              <a:t>calculados</a:t>
+            </a:r>
+            <a:r>
+              <a:rPr lang="en-US" sz="1200" dirty="0">
+                <a:latin typeface="Arial" panose="020B0604020202020204" pitchFamily="34" charset="0"/>
+                <a:cs typeface="Arial" panose="020B0604020202020204" pitchFamily="34" charset="0"/>
+              </a:rPr>
+              <a:t> </a:t>
+            </a:r>
+            <a:r>
+              <a:rPr lang="en-US" sz="1200" dirty="0" err="1">
+                <a:latin typeface="Arial" panose="020B0604020202020204" pitchFamily="34" charset="0"/>
+                <a:cs typeface="Arial" panose="020B0604020202020204" pitchFamily="34" charset="0"/>
+              </a:rPr>
+              <a:t>mantienen</a:t>
+            </a:r>
+            <a:r>
+              <a:rPr lang="en-US" sz="1200" dirty="0">
+                <a:latin typeface="Arial" panose="020B0604020202020204" pitchFamily="34" charset="0"/>
+                <a:cs typeface="Arial" panose="020B0604020202020204" pitchFamily="34" charset="0"/>
+              </a:rPr>
+              <a:t> </a:t>
+            </a:r>
+            <a:r>
+              <a:rPr lang="en-US" sz="1200" dirty="0" err="1">
+                <a:latin typeface="Arial" panose="020B0604020202020204" pitchFamily="34" charset="0"/>
+                <a:cs typeface="Arial" panose="020B0604020202020204" pitchFamily="34" charset="0"/>
+              </a:rPr>
+              <a:t>su</a:t>
+            </a:r>
+            <a:r>
+              <a:rPr lang="en-US" sz="1200" dirty="0">
+                <a:latin typeface="Arial" panose="020B0604020202020204" pitchFamily="34" charset="0"/>
+                <a:cs typeface="Arial" panose="020B0604020202020204" pitchFamily="34" charset="0"/>
+              </a:rPr>
+              <a:t> </a:t>
+            </a:r>
+            <a:r>
+              <a:rPr lang="en-US" sz="1200" dirty="0" err="1">
+                <a:latin typeface="Arial" panose="020B0604020202020204" pitchFamily="34" charset="0"/>
+                <a:cs typeface="Arial" panose="020B0604020202020204" pitchFamily="34" charset="0"/>
+              </a:rPr>
+              <a:t>n_eff</a:t>
+            </a:r>
+            <a:r>
+              <a:rPr lang="en-US" sz="1200" dirty="0">
+                <a:latin typeface="Arial" panose="020B0604020202020204" pitchFamily="34" charset="0"/>
+                <a:cs typeface="Arial" panose="020B0604020202020204" pitchFamily="34" charset="0"/>
+              </a:rPr>
+              <a:t> </a:t>
+            </a:r>
+            <a:r>
+              <a:rPr lang="en-US" sz="1200" dirty="0" err="1">
+                <a:latin typeface="Arial" panose="020B0604020202020204" pitchFamily="34" charset="0"/>
+                <a:cs typeface="Arial" panose="020B0604020202020204" pitchFamily="34" charset="0"/>
+              </a:rPr>
+              <a:t>por</a:t>
+            </a:r>
+            <a:r>
+              <a:rPr lang="en-US" sz="1200" dirty="0">
+                <a:latin typeface="Arial" panose="020B0604020202020204" pitchFamily="34" charset="0"/>
+                <a:cs typeface="Arial" panose="020B0604020202020204" pitchFamily="34" charset="0"/>
+              </a:rPr>
+              <a:t> </a:t>
+            </a:r>
+            <a:r>
+              <a:rPr lang="en-US" sz="1200" dirty="0" err="1">
+                <a:latin typeface="Arial" panose="020B0604020202020204" pitchFamily="34" charset="0"/>
+                <a:cs typeface="Arial" panose="020B0604020202020204" pitchFamily="34" charset="0"/>
+              </a:rPr>
+              <a:t>encima</a:t>
+            </a:r>
+            <a:r>
+              <a:rPr lang="en-US" sz="1200" dirty="0">
+                <a:latin typeface="Arial" panose="020B0604020202020204" pitchFamily="34" charset="0"/>
+                <a:cs typeface="Arial" panose="020B0604020202020204" pitchFamily="34" charset="0"/>
+              </a:rPr>
+              <a:t> de </a:t>
+            </a:r>
+            <a:r>
+              <a:rPr lang="en-US" sz="1200" dirty="0" err="1">
+                <a:latin typeface="Arial" panose="020B0604020202020204" pitchFamily="34" charset="0"/>
+                <a:cs typeface="Arial" panose="020B0604020202020204" pitchFamily="34" charset="0"/>
+              </a:rPr>
+              <a:t>este</a:t>
+            </a:r>
+            <a:r>
+              <a:rPr lang="en-US" sz="1200" dirty="0">
+                <a:latin typeface="Arial" panose="020B0604020202020204" pitchFamily="34" charset="0"/>
+                <a:cs typeface="Arial" panose="020B0604020202020204" pitchFamily="34" charset="0"/>
+              </a:rPr>
+              <a:t> valor, </a:t>
+            </a:r>
+            <a:r>
+              <a:rPr lang="en-US" sz="1200" dirty="0" err="1">
+                <a:latin typeface="Arial" panose="020B0604020202020204" pitchFamily="34" charset="0"/>
+                <a:cs typeface="Arial" panose="020B0604020202020204" pitchFamily="34" charset="0"/>
+              </a:rPr>
+              <a:t>por</a:t>
+            </a:r>
+            <a:r>
+              <a:rPr lang="en-US" sz="1200" dirty="0">
+                <a:latin typeface="Arial" panose="020B0604020202020204" pitchFamily="34" charset="0"/>
+                <a:cs typeface="Arial" panose="020B0604020202020204" pitchFamily="34" charset="0"/>
+              </a:rPr>
+              <a:t> lo </a:t>
+            </a:r>
+            <a:r>
+              <a:rPr lang="en-US" sz="1200" dirty="0" err="1">
+                <a:latin typeface="Arial" panose="020B0604020202020204" pitchFamily="34" charset="0"/>
+                <a:cs typeface="Arial" panose="020B0604020202020204" pitchFamily="34" charset="0"/>
+              </a:rPr>
+              <a:t>que</a:t>
+            </a:r>
+            <a:r>
+              <a:rPr lang="en-US" sz="1200" dirty="0">
+                <a:latin typeface="Arial" panose="020B0604020202020204" pitchFamily="34" charset="0"/>
+                <a:cs typeface="Arial" panose="020B0604020202020204" pitchFamily="34" charset="0"/>
+              </a:rPr>
+              <a:t> </a:t>
+            </a:r>
+            <a:r>
+              <a:rPr lang="en-US" sz="1200" dirty="0" err="1">
+                <a:latin typeface="Arial" panose="020B0604020202020204" pitchFamily="34" charset="0"/>
+                <a:cs typeface="Arial" panose="020B0604020202020204" pitchFamily="34" charset="0"/>
+              </a:rPr>
+              <a:t>todos</a:t>
+            </a:r>
+            <a:r>
+              <a:rPr lang="en-US" sz="1200" dirty="0">
+                <a:latin typeface="Arial" panose="020B0604020202020204" pitchFamily="34" charset="0"/>
+                <a:cs typeface="Arial" panose="020B0604020202020204" pitchFamily="34" charset="0"/>
+              </a:rPr>
+              <a:t> se </a:t>
+            </a:r>
+            <a:r>
+              <a:rPr lang="en-US" sz="1200" dirty="0" err="1">
+                <a:latin typeface="Arial" panose="020B0604020202020204" pitchFamily="34" charset="0"/>
+                <a:cs typeface="Arial" panose="020B0604020202020204" pitchFamily="34" charset="0"/>
+              </a:rPr>
+              <a:t>propagan</a:t>
+            </a:r>
+            <a:r>
+              <a:rPr lang="en-US" sz="1200" dirty="0">
+                <a:latin typeface="Arial" panose="020B0604020202020204" pitchFamily="34" charset="0"/>
+                <a:cs typeface="Arial" panose="020B0604020202020204" pitchFamily="34" charset="0"/>
+              </a:rPr>
+              <a:t> a </a:t>
+            </a:r>
+            <a:r>
+              <a:rPr lang="en-US" sz="1200" dirty="0" err="1">
+                <a:latin typeface="Arial" panose="020B0604020202020204" pitchFamily="34" charset="0"/>
+                <a:cs typeface="Arial" panose="020B0604020202020204" pitchFamily="34" charset="0"/>
+              </a:rPr>
+              <a:t>través</a:t>
+            </a:r>
+            <a:r>
+              <a:rPr lang="en-US" sz="1200" dirty="0">
+                <a:latin typeface="Arial" panose="020B0604020202020204" pitchFamily="34" charset="0"/>
+                <a:cs typeface="Arial" panose="020B0604020202020204" pitchFamily="34" charset="0"/>
+              </a:rPr>
+              <a:t> de la </a:t>
+            </a:r>
+            <a:r>
+              <a:rPr lang="en-US" sz="1200" dirty="0" err="1">
+                <a:latin typeface="Arial" panose="020B0604020202020204" pitchFamily="34" charset="0"/>
+                <a:cs typeface="Arial" panose="020B0604020202020204" pitchFamily="34" charset="0"/>
+              </a:rPr>
+              <a:t>guía</a:t>
+            </a:r>
+            <a:r>
+              <a:rPr lang="en-US" sz="1200" dirty="0">
+                <a:latin typeface="Arial" panose="020B0604020202020204" pitchFamily="34" charset="0"/>
+                <a:cs typeface="Arial" panose="020B0604020202020204" pitchFamily="34" charset="0"/>
+              </a:rPr>
+              <a:t> shallow. </a:t>
+            </a:r>
+            <a:r>
+              <a:rPr lang="en-US" sz="1200" dirty="0" err="1">
+                <a:latin typeface="Arial" panose="020B0604020202020204" pitchFamily="34" charset="0"/>
+                <a:cs typeface="Arial" panose="020B0604020202020204" pitchFamily="34" charset="0"/>
+              </a:rPr>
+              <a:t>Estos</a:t>
+            </a:r>
+            <a:r>
+              <a:rPr lang="en-US" sz="1200" dirty="0">
+                <a:latin typeface="Arial" panose="020B0604020202020204" pitchFamily="34" charset="0"/>
+                <a:cs typeface="Arial" panose="020B0604020202020204" pitchFamily="34" charset="0"/>
+              </a:rPr>
+              <a:t> </a:t>
+            </a:r>
+            <a:r>
+              <a:rPr lang="en-US" sz="1200" dirty="0" err="1">
+                <a:latin typeface="Arial" panose="020B0604020202020204" pitchFamily="34" charset="0"/>
+                <a:cs typeface="Arial" panose="020B0604020202020204" pitchFamily="34" charset="0"/>
+              </a:rPr>
               <a:t>modos</a:t>
             </a:r>
             <a:r>
@@ -6230,6 +6440,20 @@
                 <a:latin typeface="Arial" panose="020B0604020202020204" pitchFamily="34" charset="0"/>
                 <a:cs typeface="Arial" panose="020B0604020202020204" pitchFamily="34" charset="0"/>
               </a:rPr>
+              <a:t> son, </a:t>
+            </a:r>
+            <a:r>
+              <a:rPr lang="en-US" sz="1200" dirty="0" err="1">
+                <a:latin typeface="Arial" panose="020B0604020202020204" pitchFamily="34" charset="0"/>
+                <a:cs typeface="Arial" panose="020B0604020202020204" pitchFamily="34" charset="0"/>
+              </a:rPr>
+              <a:t>en</a:t>
+            </a:r>
+            <a:r>
+              <a:rPr lang="en-US" sz="1200" dirty="0">
+                <a:latin typeface="Arial" panose="020B0604020202020204" pitchFamily="34" charset="0"/>
+                <a:cs typeface="Arial" panose="020B0604020202020204" pitchFamily="34" charset="0"/>
+              </a:rPr>
               <a:t> </a:t>
             </a:r>
             <a:r>
@@ -6237,7 +6461,7 @@
                 <a:latin typeface="Arial" panose="020B0604020202020204" pitchFamily="34" charset="0"/>
                 <a:cs typeface="Arial" panose="020B0604020202020204" pitchFamily="34" charset="0"/>
               </a:rPr>
-              <a:t>calculados</a:t>
+              <a:t>orden</a:t>
             </a:r>
             <a:r>
               <a:rPr lang="en-US" sz="1200" dirty="0">
@@ -6251,13 +6475,41 @@
                 <a:latin typeface="Arial" panose="020B0604020202020204" pitchFamily="34" charset="0"/>
                 <a:cs typeface="Arial" panose="020B0604020202020204" pitchFamily="34" charset="0"/>
               </a:rPr>
-              <a:t>mantienen</a:t>
+              <a:t>creciente</a:t>
             </a:r>
             <a:r>
               <a:rPr lang="en-US" sz="1200" dirty="0">
                 <a:latin typeface="Arial" panose="020B0604020202020204" pitchFamily="34" charset="0"/>
                 <a:cs typeface="Arial" panose="020B0604020202020204" pitchFamily="34" charset="0"/>
               </a:rPr>
+              <a:t>: TE (Mode 0), TM (Mode 1), </a:t>
+            </a:r>
+            <a:r>
+              <a:rPr lang="en-US" sz="1200" dirty="0" err="1">
+                <a:latin typeface="Arial" panose="020B0604020202020204" pitchFamily="34" charset="0"/>
+                <a:cs typeface="Arial" panose="020B0604020202020204" pitchFamily="34" charset="0"/>
+              </a:rPr>
+              <a:t>híbrido</a:t>
+            </a:r>
+            <a:r>
+              <a:rPr lang="en-US" sz="1200" dirty="0">
+                <a:latin typeface="Arial" panose="020B0604020202020204" pitchFamily="34" charset="0"/>
+                <a:cs typeface="Arial" panose="020B0604020202020204" pitchFamily="34" charset="0"/>
+              </a:rPr>
+              <a:t> (Mode 2), TE (Mode 3). Para </a:t>
+            </a:r>
+            <a:r>
+              <a:rPr lang="en-US" sz="1200" dirty="0" err="1">
+                <a:latin typeface="Arial" panose="020B0604020202020204" pitchFamily="34" charset="0"/>
+                <a:cs typeface="Arial" panose="020B0604020202020204" pitchFamily="34" charset="0"/>
+              </a:rPr>
+              <a:t>este</a:t>
+            </a:r>
+            <a:r>
+              <a:rPr lang="en-US" sz="1200" dirty="0">
+                <a:latin typeface="Arial" panose="020B0604020202020204" pitchFamily="34" charset="0"/>
+                <a:cs typeface="Arial" panose="020B0604020202020204" pitchFamily="34" charset="0"/>
+              </a:rPr>
               <a:t> </a:t>
             </a:r>
             <a:r>
@@ -6265,7 +6517,7 @@
                 <a:latin typeface="Arial" panose="020B0604020202020204" pitchFamily="34" charset="0"/>
                 <a:cs typeface="Arial" panose="020B0604020202020204" pitchFamily="34" charset="0"/>
               </a:rPr>
-              <a:t>su</a:t>
+              <a:t>caso</a:t>
             </a:r>
             <a:r>
               <a:rPr lang="en-US" sz="1200" dirty="0">
@@ -6279,7 +6531,7 @@
                 <a:latin typeface="Arial" panose="020B0604020202020204" pitchFamily="34" charset="0"/>
                 <a:cs typeface="Arial" panose="020B0604020202020204" pitchFamily="34" charset="0"/>
               </a:rPr>
-              <a:t>n_eff</a:t>
+              <a:t>tendría</a:t>
             </a:r>
             <a:r>
               <a:rPr lang="en-US" sz="1200" dirty="0">
@@ -6293,7 +6545,7 @@
                 <a:latin typeface="Arial" panose="020B0604020202020204" pitchFamily="34" charset="0"/>
                 <a:cs typeface="Arial" panose="020B0604020202020204" pitchFamily="34" charset="0"/>
               </a:rPr>
-              <a:t>por</a:t>
+              <a:t>sentido</a:t>
             </a:r>
             <a:r>
               <a:rPr lang="en-US" sz="1200" dirty="0">
@@ -6307,13 +6559,27 @@
                 <a:latin typeface="Arial" panose="020B0604020202020204" pitchFamily="34" charset="0"/>
                 <a:cs typeface="Arial" panose="020B0604020202020204" pitchFamily="34" charset="0"/>
               </a:rPr>
-              <a:t>encima</a:t>
+              <a:t>calcular</a:t>
             </a:r>
             <a:r>
               <a:rPr lang="en-US" sz="1200" dirty="0">
                 <a:latin typeface="Arial" panose="020B0604020202020204" pitchFamily="34" charset="0"/>
                 <a:cs typeface="Arial" panose="020B0604020202020204" pitchFamily="34" charset="0"/>
               </a:rPr>
+              <a:t> un mayor </a:t>
+            </a:r>
+            <a:r>
+              <a:rPr lang="en-US" sz="1200" dirty="0" err="1">
+                <a:latin typeface="Arial" panose="020B0604020202020204" pitchFamily="34" charset="0"/>
+                <a:cs typeface="Arial" panose="020B0604020202020204" pitchFamily="34" charset="0"/>
+              </a:rPr>
+              <a:t>número</a:t>
+            </a:r>
+            <a:r>
+              <a:rPr lang="en-US" sz="1200" dirty="0">
+                <a:latin typeface="Arial" panose="020B0604020202020204" pitchFamily="34" charset="0"/>
+                <a:cs typeface="Arial" panose="020B0604020202020204" pitchFamily="34" charset="0"/>
+              </a:rPr>
               <a:t> de </a:t>
             </a:r>
             <a:r>
@@ -6321,34 +6587,48 @@
                 <a:latin typeface="Arial" panose="020B0604020202020204" pitchFamily="34" charset="0"/>
                 <a:cs typeface="Arial" panose="020B0604020202020204" pitchFamily="34" charset="0"/>
               </a:rPr>
-              <a:t>este</a:t>
+              <a:t>modos</a:t>
             </a:r>
             <a:r>
               <a:rPr lang="en-US" sz="1200" dirty="0">
                 <a:latin typeface="Arial" panose="020B0604020202020204" pitchFamily="34" charset="0"/>
                 <a:cs typeface="Arial" panose="020B0604020202020204" pitchFamily="34" charset="0"/>
               </a:rPr>
-              <a:t> valor, </a:t>
+              <a:t> </a:t>
             </a:r>
             <a:r>
               <a:rPr lang="en-US" sz="1200" dirty="0" err="1">
                 <a:latin typeface="Arial" panose="020B0604020202020204" pitchFamily="34" charset="0"/>
                 <a:cs typeface="Arial" panose="020B0604020202020204" pitchFamily="34" charset="0"/>
               </a:rPr>
-              <a:t>por</a:t>
+              <a:t>solución</a:t>
             </a:r>
             <a:r>
               <a:rPr lang="en-US" sz="1200" dirty="0">
                 <a:latin typeface="Arial" panose="020B0604020202020204" pitchFamily="34" charset="0"/>
                 <a:cs typeface="Arial" panose="020B0604020202020204" pitchFamily="34" charset="0"/>
               </a:rPr>
-              <a:t> lo </a:t>
+              <a:t>, </a:t>
             </a:r>
             <a:r>
               <a:rPr lang="en-US" sz="1200" dirty="0" err="1">
                 <a:latin typeface="Arial" panose="020B0604020202020204" pitchFamily="34" charset="0"/>
                 <a:cs typeface="Arial" panose="020B0604020202020204" pitchFamily="34" charset="0"/>
               </a:rPr>
+              <a:t>ya</a:t>
+            </a:r>
+            <a:r>
+              <a:rPr lang="en-US" sz="1200" dirty="0">
+                <a:latin typeface="Arial" panose="020B0604020202020204" pitchFamily="34" charset="0"/>
+                <a:cs typeface="Arial" panose="020B0604020202020204" pitchFamily="34" charset="0"/>
+              </a:rPr>
+              <a:t> </a:t>
+            </a:r>
+            <a:r>
+              <a:rPr lang="en-US" sz="1200" dirty="0" err="1">
+                <a:latin typeface="Arial" panose="020B0604020202020204" pitchFamily="34" charset="0"/>
+                <a:cs typeface="Arial" panose="020B0604020202020204" pitchFamily="34" charset="0"/>
+              </a:rPr>
               <a:t>que</a:t>
             </a:r>
             <a:r>
@@ -6363,112 +6643,70 @@
                 <a:latin typeface="Arial" panose="020B0604020202020204" pitchFamily="34" charset="0"/>
                 <a:cs typeface="Arial" panose="020B0604020202020204" pitchFamily="34" charset="0"/>
               </a:rPr>
-              <a:t>todos</a:t>
+              <a:t>todavía</a:t>
             </a:r>
             <a:r>
               <a:rPr lang="en-US" sz="1200" dirty="0">
                 <a:latin typeface="Arial" panose="020B0604020202020204" pitchFamily="34" charset="0"/>
                 <a:cs typeface="Arial" panose="020B0604020202020204" pitchFamily="34" charset="0"/>
               </a:rPr>
-              <a:t> se </a:t>
+              <a:t> hay </a:t>
             </a:r>
             <a:r>
               <a:rPr lang="en-US" sz="1200" dirty="0" err="1">
                 <a:latin typeface="Arial" panose="020B0604020202020204" pitchFamily="34" charset="0"/>
                 <a:cs typeface="Arial" panose="020B0604020202020204" pitchFamily="34" charset="0"/>
               </a:rPr>
-              <a:t>propagan</a:t>
+              <a:t>margen</a:t>
             </a:r>
             <a:r>
               <a:rPr lang="en-US" sz="1200" dirty="0">
                 <a:latin typeface="Arial" panose="020B0604020202020204" pitchFamily="34" charset="0"/>
                 <a:cs typeface="Arial" panose="020B0604020202020204" pitchFamily="34" charset="0"/>
               </a:rPr>
+              <a:t> hasta la </a:t>
+            </a:r>
+            <a:r>
+              <a:rPr lang="en-US" sz="1200" dirty="0" err="1">
+                <a:latin typeface="Arial" panose="020B0604020202020204" pitchFamily="34" charset="0"/>
+                <a:cs typeface="Arial" panose="020B0604020202020204" pitchFamily="34" charset="0"/>
+              </a:rPr>
+              <a:t>línea</a:t>
+            </a:r>
+            <a:r>
+              <a:rPr lang="en-US" sz="1200" dirty="0">
+                <a:latin typeface="Arial" panose="020B0604020202020204" pitchFamily="34" charset="0"/>
+                <a:cs typeface="Arial" panose="020B0604020202020204" pitchFamily="34" charset="0"/>
+              </a:rPr>
+              <a:t> </a:t>
+            </a:r>
+            <a:r>
+              <a:rPr lang="en-US" sz="1200" dirty="0" err="1">
+                <a:latin typeface="Arial" panose="020B0604020202020204" pitchFamily="34" charset="0"/>
+                <a:cs typeface="Arial" panose="020B0604020202020204" pitchFamily="34" charset="0"/>
+              </a:rPr>
+              <a:t>discontinua</a:t>
+            </a:r>
+            <a:r>
+              <a:rPr lang="en-US" sz="1200" dirty="0">
+                <a:latin typeface="Arial" panose="020B0604020202020204" pitchFamily="34" charset="0"/>
+                <a:cs typeface="Arial" panose="020B0604020202020204" pitchFamily="34" charset="0"/>
+              </a:rPr>
+              <a:t> </a:t>
+            </a:r>
+            <a:r>
+              <a:rPr lang="en-US" sz="1200" dirty="0" err="1">
+                <a:latin typeface="Arial" panose="020B0604020202020204" pitchFamily="34" charset="0"/>
+                <a:cs typeface="Arial" panose="020B0604020202020204" pitchFamily="34" charset="0"/>
+              </a:rPr>
+              <a:t>negra</a:t>
+            </a:r>
+            <a:r>
+              <a:rPr lang="en-US" sz="1200" dirty="0">
+                <a:latin typeface="Arial" panose="020B0604020202020204" pitchFamily="34" charset="0"/>
+                <a:cs typeface="Arial" panose="020B0604020202020204" pitchFamily="34" charset="0"/>
+              </a:rPr>
               <a:t>. </a:t>
-            </a:r>
-            <a:r>
-              <a:rPr lang="en-US" sz="1200" dirty="0" err="1">
-                <a:latin typeface="Arial" panose="020B0604020202020204" pitchFamily="34" charset="0"/>
-                <a:cs typeface="Arial" panose="020B0604020202020204" pitchFamily="34" charset="0"/>
-              </a:rPr>
-              <a:t>Estos</a:t>
-            </a:r>
-            <a:r>
-              <a:rPr lang="en-US" sz="1200" dirty="0">
-                <a:latin typeface="Arial" panose="020B0604020202020204" pitchFamily="34" charset="0"/>
-                <a:cs typeface="Arial" panose="020B0604020202020204" pitchFamily="34" charset="0"/>
-              </a:rPr>
-              <a:t> </a:t>
-            </a:r>
-            <a:r>
-              <a:rPr lang="en-US" sz="1200" dirty="0" err="1">
-                <a:latin typeface="Arial" panose="020B0604020202020204" pitchFamily="34" charset="0"/>
-                <a:cs typeface="Arial" panose="020B0604020202020204" pitchFamily="34" charset="0"/>
-              </a:rPr>
-              <a:t>modos</a:t>
-            </a:r>
-            <a:r>
-              <a:rPr lang="en-US" sz="1200" dirty="0">
-                <a:latin typeface="Arial" panose="020B0604020202020204" pitchFamily="34" charset="0"/>
-                <a:cs typeface="Arial" panose="020B0604020202020204" pitchFamily="34" charset="0"/>
-              </a:rPr>
-              <a:t> son, </a:t>
-            </a:r>
-            <a:r>
-              <a:rPr lang="en-US" sz="1200" dirty="0" err="1">
-                <a:latin typeface="Arial" panose="020B0604020202020204" pitchFamily="34" charset="0"/>
-                <a:cs typeface="Arial" panose="020B0604020202020204" pitchFamily="34" charset="0"/>
-              </a:rPr>
-              <a:t>en</a:t>
-            </a:r>
-            <a:r>
-              <a:rPr lang="en-US" sz="1200" dirty="0">
-                <a:latin typeface="Arial" panose="020B0604020202020204" pitchFamily="34" charset="0"/>
-                <a:cs typeface="Arial" panose="020B0604020202020204" pitchFamily="34" charset="0"/>
-              </a:rPr>
-              <a:t> </a:t>
-            </a:r>
-            <a:r>
-              <a:rPr lang="en-US" sz="1200" dirty="0" err="1">
-                <a:latin typeface="Arial" panose="020B0604020202020204" pitchFamily="34" charset="0"/>
-                <a:cs typeface="Arial" panose="020B0604020202020204" pitchFamily="34" charset="0"/>
-              </a:rPr>
-              <a:t>orden</a:t>
-            </a:r>
-            <a:r>
-              <a:rPr lang="en-US" sz="1200" dirty="0">
-                <a:latin typeface="Arial" panose="020B0604020202020204" pitchFamily="34" charset="0"/>
-                <a:cs typeface="Arial" panose="020B0604020202020204" pitchFamily="34" charset="0"/>
-              </a:rPr>
-              <a:t> </a:t>
-            </a:r>
-            <a:r>
-              <a:rPr lang="en-US" sz="1200" dirty="0" err="1">
-                <a:latin typeface="Arial" panose="020B0604020202020204" pitchFamily="34" charset="0"/>
-                <a:cs typeface="Arial" panose="020B0604020202020204" pitchFamily="34" charset="0"/>
-              </a:rPr>
-              <a:t>creciente</a:t>
-            </a:r>
-            <a:r>
-              <a:rPr lang="en-US" sz="1200" dirty="0">
-                <a:latin typeface="Arial" panose="020B0604020202020204" pitchFamily="34" charset="0"/>
-                <a:cs typeface="Arial" panose="020B0604020202020204" pitchFamily="34" charset="0"/>
-              </a:rPr>
-              <a:t>: TE (Mode 0), TM (Mode 1), </a:t>
-            </a:r>
-            <a:r>
-              <a:rPr lang="en-US" sz="1200" dirty="0" err="1">
-                <a:latin typeface="Arial" panose="020B0604020202020204" pitchFamily="34" charset="0"/>
-                <a:cs typeface="Arial" panose="020B0604020202020204" pitchFamily="34" charset="0"/>
-              </a:rPr>
-              <a:t>híbrido</a:t>
-            </a:r>
-            <a:r>
-              <a:rPr lang="en-US" sz="1200" dirty="0">
-                <a:latin typeface="Arial" panose="020B0604020202020204" pitchFamily="34" charset="0"/>
-                <a:cs typeface="Arial" panose="020B0604020202020204" pitchFamily="34" charset="0"/>
-              </a:rPr>
-              <a:t> (Mode 2), TE (Mode 3).</a:t>
             </a:r>
           </a:p>
           <a:p>
@@ -6480,13 +6718,6 @@
           </a:p>
           <a:p>
             <a:pPr algn="just"/>
-            <a:endParaRPr lang="en-US" sz="1200" dirty="0">
-              <a:latin typeface="Arial" panose="020B0604020202020204" pitchFamily="34" charset="0"/>
-              <a:cs typeface="Arial" panose="020B0604020202020204" pitchFamily="34" charset="0"/>
-            </a:endParaRPr>
-          </a:p>
-          <a:p>
-            <a:pPr algn="just"/>
             <a:r>
               <a:rPr lang="en-US" sz="1200" dirty="0" err="1">
                 <a:latin typeface="Arial" panose="020B0604020202020204" pitchFamily="34" charset="0"/>
@@ -6499,7 +6730,315 @@
                 <a:latin typeface="Arial" panose="020B0604020202020204" pitchFamily="34" charset="0"/>
                 <a:cs typeface="Arial" panose="020B0604020202020204" pitchFamily="34" charset="0"/>
               </a:rPr>
-              <a:t>:</a:t>
+              <a:t>: </a:t>
+            </a:r>
+            <a:r>
+              <a:rPr lang="en-US" sz="1200" dirty="0" err="1">
+                <a:latin typeface="Arial" panose="020B0604020202020204" pitchFamily="34" charset="0"/>
+                <a:cs typeface="Arial" panose="020B0604020202020204" pitchFamily="34" charset="0"/>
+              </a:rPr>
+              <a:t>en</a:t>
+            </a:r>
+            <a:r>
+              <a:rPr lang="en-US" sz="1200" dirty="0">
+                <a:latin typeface="Arial" panose="020B0604020202020204" pitchFamily="34" charset="0"/>
+                <a:cs typeface="Arial" panose="020B0604020202020204" pitchFamily="34" charset="0"/>
+              </a:rPr>
+              <a:t> </a:t>
+            </a:r>
+            <a:r>
+              <a:rPr lang="en-US" sz="1200" dirty="0" err="1">
+                <a:latin typeface="Arial" panose="020B0604020202020204" pitchFamily="34" charset="0"/>
+                <a:cs typeface="Arial" panose="020B0604020202020204" pitchFamily="34" charset="0"/>
+              </a:rPr>
+              <a:t>este</a:t>
+            </a:r>
+            <a:r>
+              <a:rPr lang="en-US" sz="1200" dirty="0">
+                <a:latin typeface="Arial" panose="020B0604020202020204" pitchFamily="34" charset="0"/>
+                <a:cs typeface="Arial" panose="020B0604020202020204" pitchFamily="34" charset="0"/>
+              </a:rPr>
+              <a:t> </a:t>
+            </a:r>
+            <a:r>
+              <a:rPr lang="en-US" sz="1200" dirty="0" err="1">
+                <a:latin typeface="Arial" panose="020B0604020202020204" pitchFamily="34" charset="0"/>
+                <a:cs typeface="Arial" panose="020B0604020202020204" pitchFamily="34" charset="0"/>
+              </a:rPr>
+              <a:t>caso</a:t>
+            </a:r>
+            <a:r>
+              <a:rPr lang="en-US" sz="1200" dirty="0">
+                <a:latin typeface="Arial" panose="020B0604020202020204" pitchFamily="34" charset="0"/>
+                <a:cs typeface="Arial" panose="020B0604020202020204" pitchFamily="34" charset="0"/>
+              </a:rPr>
+              <a:t> solo </a:t>
+            </a:r>
+            <a:r>
+              <a:rPr lang="en-US" sz="1200" dirty="0" err="1">
+                <a:latin typeface="Arial" panose="020B0604020202020204" pitchFamily="34" charset="0"/>
+                <a:cs typeface="Arial" panose="020B0604020202020204" pitchFamily="34" charset="0"/>
+              </a:rPr>
+              <a:t>los</a:t>
+            </a:r>
+            <a:r>
+              <a:rPr lang="en-US" sz="1200" dirty="0">
+                <a:latin typeface="Arial" panose="020B0604020202020204" pitchFamily="34" charset="0"/>
+                <a:cs typeface="Arial" panose="020B0604020202020204" pitchFamily="34" charset="0"/>
+              </a:rPr>
+              <a:t> dos </a:t>
+            </a:r>
+            <a:r>
+              <a:rPr lang="en-US" sz="1200" dirty="0" err="1">
+                <a:latin typeface="Arial" panose="020B0604020202020204" pitchFamily="34" charset="0"/>
+                <a:cs typeface="Arial" panose="020B0604020202020204" pitchFamily="34" charset="0"/>
+              </a:rPr>
+              <a:t>primeros</a:t>
+            </a:r>
+            <a:r>
+              <a:rPr lang="en-US" sz="1200" dirty="0">
+                <a:latin typeface="Arial" panose="020B0604020202020204" pitchFamily="34" charset="0"/>
+                <a:cs typeface="Arial" panose="020B0604020202020204" pitchFamily="34" charset="0"/>
+              </a:rPr>
+              <a:t> </a:t>
+            </a:r>
+            <a:r>
+              <a:rPr lang="en-US" sz="1200" dirty="0" err="1">
+                <a:latin typeface="Arial" panose="020B0604020202020204" pitchFamily="34" charset="0"/>
+                <a:cs typeface="Arial" panose="020B0604020202020204" pitchFamily="34" charset="0"/>
+              </a:rPr>
+              <a:t>modos</a:t>
+            </a:r>
+            <a:r>
+              <a:rPr lang="en-US" sz="1200" dirty="0">
+                <a:latin typeface="Arial" panose="020B0604020202020204" pitchFamily="34" charset="0"/>
+                <a:cs typeface="Arial" panose="020B0604020202020204" pitchFamily="34" charset="0"/>
+              </a:rPr>
+              <a:t> </a:t>
+            </a:r>
+            <a:r>
+              <a:rPr lang="en-US" sz="1200" dirty="0" err="1">
+                <a:latin typeface="Arial" panose="020B0604020202020204" pitchFamily="34" charset="0"/>
+                <a:cs typeface="Arial" panose="020B0604020202020204" pitchFamily="34" charset="0"/>
+              </a:rPr>
+              <a:t>calculados</a:t>
+            </a:r>
+            <a:r>
+              <a:rPr lang="en-US" sz="1200" dirty="0">
+                <a:latin typeface="Arial" panose="020B0604020202020204" pitchFamily="34" charset="0"/>
+                <a:cs typeface="Arial" panose="020B0604020202020204" pitchFamily="34" charset="0"/>
+              </a:rPr>
+              <a:t> </a:t>
+            </a:r>
+            <a:r>
+              <a:rPr lang="en-US" sz="1200" dirty="0" err="1">
+                <a:latin typeface="Arial" panose="020B0604020202020204" pitchFamily="34" charset="0"/>
+                <a:cs typeface="Arial" panose="020B0604020202020204" pitchFamily="34" charset="0"/>
+              </a:rPr>
+              <a:t>mantienen</a:t>
+            </a:r>
+            <a:r>
+              <a:rPr lang="en-US" sz="1200" dirty="0">
+                <a:latin typeface="Arial" panose="020B0604020202020204" pitchFamily="34" charset="0"/>
+                <a:cs typeface="Arial" panose="020B0604020202020204" pitchFamily="34" charset="0"/>
+              </a:rPr>
+              <a:t> </a:t>
+            </a:r>
+            <a:r>
+              <a:rPr lang="en-US" sz="1200" dirty="0" err="1">
+                <a:latin typeface="Arial" panose="020B0604020202020204" pitchFamily="34" charset="0"/>
+                <a:cs typeface="Arial" panose="020B0604020202020204" pitchFamily="34" charset="0"/>
+              </a:rPr>
+              <a:t>su</a:t>
+            </a:r>
+            <a:r>
+              <a:rPr lang="en-US" sz="1200" dirty="0">
+                <a:latin typeface="Arial" panose="020B0604020202020204" pitchFamily="34" charset="0"/>
+                <a:cs typeface="Arial" panose="020B0604020202020204" pitchFamily="34" charset="0"/>
+              </a:rPr>
+              <a:t> </a:t>
+            </a:r>
+            <a:r>
+              <a:rPr lang="en-US" sz="1200" dirty="0" err="1">
+                <a:latin typeface="Arial" panose="020B0604020202020204" pitchFamily="34" charset="0"/>
+                <a:cs typeface="Arial" panose="020B0604020202020204" pitchFamily="34" charset="0"/>
+              </a:rPr>
+              <a:t>n_eff</a:t>
+            </a:r>
+            <a:r>
+              <a:rPr lang="en-US" sz="1200" dirty="0">
+                <a:latin typeface="Arial" panose="020B0604020202020204" pitchFamily="34" charset="0"/>
+                <a:cs typeface="Arial" panose="020B0604020202020204" pitchFamily="34" charset="0"/>
+              </a:rPr>
+              <a:t> </a:t>
+            </a:r>
+            <a:r>
+              <a:rPr lang="en-US" sz="1200" dirty="0" err="1">
+                <a:latin typeface="Arial" panose="020B0604020202020204" pitchFamily="34" charset="0"/>
+                <a:cs typeface="Arial" panose="020B0604020202020204" pitchFamily="34" charset="0"/>
+              </a:rPr>
+              <a:t>por</a:t>
+            </a:r>
+            <a:r>
+              <a:rPr lang="en-US" sz="1200" dirty="0">
+                <a:latin typeface="Arial" panose="020B0604020202020204" pitchFamily="34" charset="0"/>
+                <a:cs typeface="Arial" panose="020B0604020202020204" pitchFamily="34" charset="0"/>
+              </a:rPr>
+              <a:t> </a:t>
+            </a:r>
+            <a:r>
+              <a:rPr lang="en-US" sz="1200" dirty="0" err="1">
+                <a:latin typeface="Arial" panose="020B0604020202020204" pitchFamily="34" charset="0"/>
+                <a:cs typeface="Arial" panose="020B0604020202020204" pitchFamily="34" charset="0"/>
+              </a:rPr>
+              <a:t>encima</a:t>
+            </a:r>
+            <a:r>
+              <a:rPr lang="en-US" sz="1200" dirty="0">
+                <a:latin typeface="Arial" panose="020B0604020202020204" pitchFamily="34" charset="0"/>
+                <a:cs typeface="Arial" panose="020B0604020202020204" pitchFamily="34" charset="0"/>
+              </a:rPr>
+              <a:t> del </a:t>
+            </a:r>
+            <a:r>
+              <a:rPr lang="en-US" sz="1200" dirty="0" err="1">
+                <a:latin typeface="Arial" panose="020B0604020202020204" pitchFamily="34" charset="0"/>
+                <a:cs typeface="Arial" panose="020B0604020202020204" pitchFamily="34" charset="0"/>
+              </a:rPr>
+              <a:t>índice</a:t>
+            </a:r>
+            <a:r>
+              <a:rPr lang="en-US" sz="1200" dirty="0">
+                <a:latin typeface="Arial" panose="020B0604020202020204" pitchFamily="34" charset="0"/>
+                <a:cs typeface="Arial" panose="020B0604020202020204" pitchFamily="34" charset="0"/>
+              </a:rPr>
+              <a:t> de </a:t>
+            </a:r>
+            <a:r>
+              <a:rPr lang="en-US" sz="1200" dirty="0" err="1">
+                <a:latin typeface="Arial" panose="020B0604020202020204" pitchFamily="34" charset="0"/>
+                <a:cs typeface="Arial" panose="020B0604020202020204" pitchFamily="34" charset="0"/>
+              </a:rPr>
+              <a:t>refracción</a:t>
+            </a:r>
+            <a:r>
+              <a:rPr lang="en-US" sz="1200" dirty="0">
+                <a:latin typeface="Arial" panose="020B0604020202020204" pitchFamily="34" charset="0"/>
+                <a:cs typeface="Arial" panose="020B0604020202020204" pitchFamily="34" charset="0"/>
+              </a:rPr>
+              <a:t> del cladding, </a:t>
+            </a:r>
+            <a:r>
+              <a:rPr lang="en-US" sz="1200" dirty="0" err="1">
+                <a:latin typeface="Arial" panose="020B0604020202020204" pitchFamily="34" charset="0"/>
+                <a:cs typeface="Arial" panose="020B0604020202020204" pitchFamily="34" charset="0"/>
+              </a:rPr>
+              <a:t>por</a:t>
+            </a:r>
+            <a:r>
+              <a:rPr lang="en-US" sz="1200" dirty="0">
+                <a:latin typeface="Arial" panose="020B0604020202020204" pitchFamily="34" charset="0"/>
+                <a:cs typeface="Arial" panose="020B0604020202020204" pitchFamily="34" charset="0"/>
+              </a:rPr>
+              <a:t> lo </a:t>
+            </a:r>
+            <a:r>
+              <a:rPr lang="en-US" sz="1200" dirty="0" err="1">
+                <a:latin typeface="Arial" panose="020B0604020202020204" pitchFamily="34" charset="0"/>
+                <a:cs typeface="Arial" panose="020B0604020202020204" pitchFamily="34" charset="0"/>
+              </a:rPr>
+              <a:t>que</a:t>
+            </a:r>
+            <a:r>
+              <a:rPr lang="en-US" sz="1200" dirty="0">
+                <a:latin typeface="Arial" panose="020B0604020202020204" pitchFamily="34" charset="0"/>
+                <a:cs typeface="Arial" panose="020B0604020202020204" pitchFamily="34" charset="0"/>
+              </a:rPr>
+              <a:t> solo </a:t>
+            </a:r>
+            <a:r>
+              <a:rPr lang="en-US" sz="1200" dirty="0" err="1">
+                <a:latin typeface="Arial" panose="020B0604020202020204" pitchFamily="34" charset="0"/>
+                <a:cs typeface="Arial" panose="020B0604020202020204" pitchFamily="34" charset="0"/>
+              </a:rPr>
+              <a:t>estos</a:t>
+            </a:r>
+            <a:r>
+              <a:rPr lang="en-US" sz="1200" dirty="0">
+                <a:latin typeface="Arial" panose="020B0604020202020204" pitchFamily="34" charset="0"/>
+                <a:cs typeface="Arial" panose="020B0604020202020204" pitchFamily="34" charset="0"/>
+              </a:rPr>
+              <a:t> se </a:t>
+            </a:r>
+            <a:r>
+              <a:rPr lang="en-US" sz="1200" dirty="0" err="1">
+                <a:latin typeface="Arial" panose="020B0604020202020204" pitchFamily="34" charset="0"/>
+                <a:cs typeface="Arial" panose="020B0604020202020204" pitchFamily="34" charset="0"/>
+              </a:rPr>
+              <a:t>propagan</a:t>
+            </a:r>
+            <a:r>
+              <a:rPr lang="en-US" sz="1200" dirty="0">
+                <a:latin typeface="Arial" panose="020B0604020202020204" pitchFamily="34" charset="0"/>
+                <a:cs typeface="Arial" panose="020B0604020202020204" pitchFamily="34" charset="0"/>
+              </a:rPr>
+              <a:t> a </a:t>
+            </a:r>
+            <a:r>
+              <a:rPr lang="en-US" sz="1200" dirty="0" err="1">
+                <a:latin typeface="Arial" panose="020B0604020202020204" pitchFamily="34" charset="0"/>
+                <a:cs typeface="Arial" panose="020B0604020202020204" pitchFamily="34" charset="0"/>
+              </a:rPr>
+              <a:t>través</a:t>
+            </a:r>
+            <a:r>
+              <a:rPr lang="en-US" sz="1200" dirty="0">
+                <a:latin typeface="Arial" panose="020B0604020202020204" pitchFamily="34" charset="0"/>
+                <a:cs typeface="Arial" panose="020B0604020202020204" pitchFamily="34" charset="0"/>
+              </a:rPr>
+              <a:t> de la </a:t>
+            </a:r>
+            <a:r>
+              <a:rPr lang="en-US" sz="1200" dirty="0" err="1">
+                <a:latin typeface="Arial" panose="020B0604020202020204" pitchFamily="34" charset="0"/>
+                <a:cs typeface="Arial" panose="020B0604020202020204" pitchFamily="34" charset="0"/>
+              </a:rPr>
+              <a:t>guía</a:t>
+            </a:r>
+            <a:r>
+              <a:rPr lang="en-US" sz="1200" dirty="0">
+                <a:latin typeface="Arial" panose="020B0604020202020204" pitchFamily="34" charset="0"/>
+                <a:cs typeface="Arial" panose="020B0604020202020204" pitchFamily="34" charset="0"/>
+              </a:rPr>
+              <a:t> deep. </a:t>
+            </a:r>
+            <a:r>
+              <a:rPr lang="en-US" sz="1200" dirty="0" err="1">
+                <a:latin typeface="Arial" panose="020B0604020202020204" pitchFamily="34" charset="0"/>
+                <a:cs typeface="Arial" panose="020B0604020202020204" pitchFamily="34" charset="0"/>
+              </a:rPr>
+              <a:t>Estos</a:t>
+            </a:r>
+            <a:r>
+              <a:rPr lang="en-US" sz="1200" dirty="0">
+                <a:latin typeface="Arial" panose="020B0604020202020204" pitchFamily="34" charset="0"/>
+                <a:cs typeface="Arial" panose="020B0604020202020204" pitchFamily="34" charset="0"/>
+              </a:rPr>
+              <a:t> </a:t>
+            </a:r>
+            <a:r>
+              <a:rPr lang="en-US" sz="1200" dirty="0" err="1">
+                <a:latin typeface="Arial" panose="020B0604020202020204" pitchFamily="34" charset="0"/>
+                <a:cs typeface="Arial" panose="020B0604020202020204" pitchFamily="34" charset="0"/>
+              </a:rPr>
+              <a:t>modos</a:t>
+            </a:r>
+            <a:r>
+              <a:rPr lang="en-US" sz="1200" dirty="0">
+                <a:latin typeface="Arial" panose="020B0604020202020204" pitchFamily="34" charset="0"/>
+                <a:cs typeface="Arial" panose="020B0604020202020204" pitchFamily="34" charset="0"/>
+              </a:rPr>
+              <a:t> son: TE (Mode 0) y TM (Mode 1).</a:t>
             </a:r>
           </a:p>
           <a:p>
@@ -6845,10 +7384,10 @@
       </p:pic>
       <p:pic>
         <p:nvPicPr>
-          <p:cNvPr id="12" name="Picture 11" descr="A graph of a deep wave guide&#10;&#10;AI-generated content may be incorrect.">
+          <p:cNvPr id="11" name="Picture 10" descr="A graph of a wave guide&#10;&#10;AI-generated content may be incorrect.">
             <a:extLst>
               <a:ext uri="{FF2B5EF4-FFF2-40B4-BE49-F238E27FC236}">
-                <a16:creationId xmlns:a16="http://schemas.microsoft.com/office/drawing/2014/main" id="{001803DE-E13C-4963-4310-E27E4B3157ED}"/>
+                <a16:creationId xmlns:a16="http://schemas.microsoft.com/office/drawing/2014/main" id="{3B9E150E-21CC-61CE-6322-CB9F9C656490}"/>
               </a:ext>
             </a:extLst>
           </p:cNvPr>
@@ -6865,8 +7404,8 @@
         </p:blipFill>
         <p:spPr>
           <a:xfrm>
-            <a:off x="857900" y="1571918"/>
-            <a:ext cx="4989799" cy="2910716"/>
+            <a:off x="800100" y="1503068"/>
+            <a:ext cx="5105400" cy="2978150"/>
           </a:xfrm>
           <a:prstGeom prst="rect">
             <a:avLst/>
